--- a/slides/Node & Backbone Slides Day 4.pptx
+++ b/slides/Node & Backbone Slides Day 4.pptx
@@ -7,10 +7,15 @@
   <p:sldIdLst>
     <p:sldId id="256" r:id="rId2"/>
     <p:sldId id="258" r:id="rId3"/>
-    <p:sldId id="283" r:id="rId4"/>
-    <p:sldId id="284" r:id="rId5"/>
-    <p:sldId id="285" r:id="rId6"/>
-    <p:sldId id="286" r:id="rId7"/>
+    <p:sldId id="259" r:id="rId4"/>
+    <p:sldId id="260" r:id="rId5"/>
+    <p:sldId id="261" r:id="rId6"/>
+    <p:sldId id="262" r:id="rId7"/>
+    <p:sldId id="263" r:id="rId8"/>
+    <p:sldId id="264" r:id="rId9"/>
+    <p:sldId id="265" r:id="rId10"/>
+    <p:sldId id="266" r:id="rId11"/>
+    <p:sldId id="267" r:id="rId12"/>
   </p:sldIdLst>
   <p:sldSz cx="9144000" cy="6858000" type="screen4x3"/>
   <p:notesSz cx="6858000" cy="9144000"/>
@@ -293,7 +298,7 @@
           <a:p>
             <a:fld id="{6BFECD78-3C8E-49F2-8FAB-59489D168ABB}" type="datetimeFigureOut">
               <a:rPr lang="en-US" smtClean="0"/>
-              <a:t>8/22/16</a:t>
+              <a:t>8/24/16</a:t>
             </a:fld>
             <a:endParaRPr lang="en-US"/>
           </a:p>
@@ -463,7 +468,7 @@
           <a:p>
             <a:fld id="{6BFECD78-3C8E-49F2-8FAB-59489D168ABB}" type="datetimeFigureOut">
               <a:rPr lang="en-US" smtClean="0"/>
-              <a:t>8/22/16</a:t>
+              <a:t>8/24/16</a:t>
             </a:fld>
             <a:endParaRPr lang="en-US"/>
           </a:p>
@@ -643,7 +648,7 @@
           <a:p>
             <a:fld id="{6BFECD78-3C8E-49F2-8FAB-59489D168ABB}" type="datetimeFigureOut">
               <a:rPr lang="en-US" smtClean="0"/>
-              <a:t>8/22/16</a:t>
+              <a:t>8/24/16</a:t>
             </a:fld>
             <a:endParaRPr lang="en-US"/>
           </a:p>
@@ -813,7 +818,7 @@
           <a:p>
             <a:fld id="{6BFECD78-3C8E-49F2-8FAB-59489D168ABB}" type="datetimeFigureOut">
               <a:rPr lang="en-US" smtClean="0"/>
-              <a:t>8/22/16</a:t>
+              <a:t>8/24/16</a:t>
             </a:fld>
             <a:endParaRPr lang="en-US"/>
           </a:p>
@@ -1059,7 +1064,7 @@
           <a:p>
             <a:fld id="{6BFECD78-3C8E-49F2-8FAB-59489D168ABB}" type="datetimeFigureOut">
               <a:rPr lang="en-US" smtClean="0"/>
-              <a:t>8/22/16</a:t>
+              <a:t>8/24/16</a:t>
             </a:fld>
             <a:endParaRPr lang="en-US"/>
           </a:p>
@@ -1347,7 +1352,7 @@
           <a:p>
             <a:fld id="{6BFECD78-3C8E-49F2-8FAB-59489D168ABB}" type="datetimeFigureOut">
               <a:rPr lang="en-US" smtClean="0"/>
-              <a:t>8/22/16</a:t>
+              <a:t>8/24/16</a:t>
             </a:fld>
             <a:endParaRPr lang="en-US"/>
           </a:p>
@@ -1769,7 +1774,7 @@
           <a:p>
             <a:fld id="{6BFECD78-3C8E-49F2-8FAB-59489D168ABB}" type="datetimeFigureOut">
               <a:rPr lang="en-US" smtClean="0"/>
-              <a:t>8/22/16</a:t>
+              <a:t>8/24/16</a:t>
             </a:fld>
             <a:endParaRPr lang="en-US"/>
           </a:p>
@@ -1887,7 +1892,7 @@
           <a:p>
             <a:fld id="{6BFECD78-3C8E-49F2-8FAB-59489D168ABB}" type="datetimeFigureOut">
               <a:rPr lang="en-US" smtClean="0"/>
-              <a:t>8/22/16</a:t>
+              <a:t>8/24/16</a:t>
             </a:fld>
             <a:endParaRPr lang="en-US"/>
           </a:p>
@@ -1982,7 +1987,7 @@
           <a:p>
             <a:fld id="{6BFECD78-3C8E-49F2-8FAB-59489D168ABB}" type="datetimeFigureOut">
               <a:rPr lang="en-US" smtClean="0"/>
-              <a:t>8/22/16</a:t>
+              <a:t>8/24/16</a:t>
             </a:fld>
             <a:endParaRPr lang="en-US"/>
           </a:p>
@@ -2259,7 +2264,7 @@
           <a:p>
             <a:fld id="{6BFECD78-3C8E-49F2-8FAB-59489D168ABB}" type="datetimeFigureOut">
               <a:rPr lang="en-US" smtClean="0"/>
-              <a:t>8/22/16</a:t>
+              <a:t>8/24/16</a:t>
             </a:fld>
             <a:endParaRPr lang="en-US"/>
           </a:p>
@@ -2516,7 +2521,7 @@
           <a:p>
             <a:fld id="{6BFECD78-3C8E-49F2-8FAB-59489D168ABB}" type="datetimeFigureOut">
               <a:rPr lang="en-US" smtClean="0"/>
-              <a:t>8/22/16</a:t>
+              <a:t>8/24/16</a:t>
             </a:fld>
             <a:endParaRPr lang="en-US"/>
           </a:p>
@@ -2729,7 +2734,7 @@
           <a:p>
             <a:fld id="{6BFECD78-3C8E-49F2-8FAB-59489D168ABB}" type="datetimeFigureOut">
               <a:rPr lang="en-US" smtClean="0"/>
-              <a:t>8/22/16</a:t>
+              <a:t>8/24/16</a:t>
             </a:fld>
             <a:endParaRPr lang="en-US"/>
           </a:p>
@@ -3186,6 +3191,294 @@
 </p:sld>
 </file>
 
+<file path=ppt/slides/slide10.xml><?xml version="1.0" encoding="utf-8"?>
+<p:sld xmlns:a="http://schemas.openxmlformats.org/drawingml/2006/main" xmlns:r="http://schemas.openxmlformats.org/officeDocument/2006/relationships" xmlns:p="http://schemas.openxmlformats.org/presentationml/2006/main">
+  <p:cSld>
+    <p:spTree>
+      <p:nvGrpSpPr>
+        <p:cNvPr id="1" name=""/>
+        <p:cNvGrpSpPr/>
+        <p:nvPr/>
+      </p:nvGrpSpPr>
+      <p:grpSpPr>
+        <a:xfrm>
+          <a:off x="0" y="0"/>
+          <a:ext cx="0" cy="0"/>
+          <a:chOff x="0" y="0"/>
+          <a:chExt cx="0" cy="0"/>
+        </a:xfrm>
+      </p:grpSpPr>
+      <p:sp>
+        <p:nvSpPr>
+          <p:cNvPr id="2" name="Title 1"/>
+          <p:cNvSpPr>
+            <a:spLocks noGrp="1"/>
+          </p:cNvSpPr>
+          <p:nvPr>
+            <p:ph type="ctrTitle"/>
+          </p:nvPr>
+        </p:nvSpPr>
+        <p:spPr>
+          <a:xfrm>
+            <a:off x="685800" y="160685"/>
+            <a:ext cx="7772400" cy="1470025"/>
+          </a:xfrm>
+        </p:spPr>
+        <p:txBody>
+          <a:bodyPr/>
+          <a:lstStyle/>
+          <a:p>
+            <a:r>
+              <a:rPr lang="en-US" dirty="0" smtClean="0"/>
+              <a:t>Karma</a:t>
+            </a:r>
+            <a:endParaRPr lang="en-US" dirty="0"/>
+          </a:p>
+        </p:txBody>
+      </p:sp>
+      <p:sp>
+        <p:nvSpPr>
+          <p:cNvPr id="3" name="Subtitle 2"/>
+          <p:cNvSpPr>
+            <a:spLocks noGrp="1"/>
+          </p:cNvSpPr>
+          <p:nvPr>
+            <p:ph type="subTitle" idx="1"/>
+          </p:nvPr>
+        </p:nvSpPr>
+        <p:spPr>
+          <a:xfrm>
+            <a:off x="454651" y="1630710"/>
+            <a:ext cx="8371875" cy="4609893"/>
+          </a:xfrm>
+        </p:spPr>
+        <p:txBody>
+          <a:bodyPr>
+            <a:normAutofit/>
+          </a:bodyPr>
+          <a:lstStyle/>
+          <a:p>
+            <a:pPr marL="342900" indent="-342900" algn="l">
+              <a:buFont typeface="Arial"/>
+              <a:buChar char="•"/>
+            </a:pPr>
+            <a:r>
+              <a:rPr lang="en-US" sz="2000" dirty="0" smtClean="0"/>
+              <a:t>Test runner</a:t>
+            </a:r>
+          </a:p>
+          <a:p>
+            <a:pPr marL="342900" indent="-342900" algn="l">
+              <a:buFont typeface="Arial"/>
+              <a:buChar char="•"/>
+            </a:pPr>
+            <a:r>
+              <a:rPr lang="en-US" sz="2000" dirty="0" smtClean="0"/>
+              <a:t>Tests have to get run to have any benefit</a:t>
+            </a:r>
+          </a:p>
+          <a:p>
+            <a:pPr marL="342900" indent="-342900" algn="l">
+              <a:buFont typeface="Arial"/>
+              <a:buChar char="•"/>
+            </a:pPr>
+            <a:r>
+              <a:rPr lang="en-US" sz="2000" dirty="0" smtClean="0"/>
+              <a:t>Tests should be split into separate files like any other code</a:t>
+            </a:r>
+          </a:p>
+          <a:p>
+            <a:pPr marL="342900" indent="-342900" algn="l">
+              <a:buFont typeface="Arial"/>
+              <a:buChar char="•"/>
+            </a:pPr>
+            <a:r>
+              <a:rPr lang="en-US" sz="2000" dirty="0" smtClean="0"/>
+              <a:t>You're not </a:t>
+            </a:r>
+            <a:r>
+              <a:rPr lang="en-US" sz="2000" dirty="0" err="1" smtClean="0"/>
+              <a:t>gonna</a:t>
+            </a:r>
+            <a:r>
+              <a:rPr lang="en-US" sz="2000" dirty="0" smtClean="0"/>
+              <a:t> execute a bunch of files </a:t>
+            </a:r>
+          </a:p>
+          <a:p>
+            <a:pPr marL="342900" indent="-342900" algn="l">
+              <a:buFont typeface="Arial"/>
+              <a:buChar char="•"/>
+            </a:pPr>
+            <a:r>
+              <a:rPr lang="en-US" sz="2000" dirty="0" smtClean="0"/>
+              <a:t>Karma handles it </a:t>
+            </a:r>
+          </a:p>
+          <a:p>
+            <a:pPr marL="342900" indent="-342900" algn="l">
+              <a:buFont typeface="Arial"/>
+              <a:buChar char="•"/>
+            </a:pPr>
+            <a:r>
+              <a:rPr lang="en-US" sz="2000" dirty="0" smtClean="0"/>
+              <a:t>Set up a </a:t>
+            </a:r>
+            <a:r>
+              <a:rPr lang="en-US" sz="2000" dirty="0" err="1" smtClean="0"/>
+              <a:t>config</a:t>
+            </a:r>
+            <a:r>
+              <a:rPr lang="en-US" sz="2000" dirty="0" smtClean="0"/>
+              <a:t> file and let it rip</a:t>
+            </a:r>
+          </a:p>
+        </p:txBody>
+      </p:sp>
+    </p:spTree>
+    <p:extLst>
+      <p:ext uri="{BB962C8B-B14F-4D97-AF65-F5344CB8AC3E}">
+        <p14:creationId xmlns:p14="http://schemas.microsoft.com/office/powerpoint/2010/main" val="3253857016"/>
+      </p:ext>
+    </p:extLst>
+  </p:cSld>
+  <p:clrMapOvr>
+    <a:masterClrMapping/>
+  </p:clrMapOvr>
+  <p:timing>
+    <p:tnLst>
+      <p:par>
+        <p:cTn xmlns:p14="http://schemas.microsoft.com/office/powerpoint/2010/main" id="1" dur="indefinite" restart="never" nodeType="tmRoot"/>
+      </p:par>
+    </p:tnLst>
+  </p:timing>
+</p:sld>
+</file>
+
+<file path=ppt/slides/slide11.xml><?xml version="1.0" encoding="utf-8"?>
+<p:sld xmlns:a="http://schemas.openxmlformats.org/drawingml/2006/main" xmlns:r="http://schemas.openxmlformats.org/officeDocument/2006/relationships" xmlns:p="http://schemas.openxmlformats.org/presentationml/2006/main">
+  <p:cSld>
+    <p:spTree>
+      <p:nvGrpSpPr>
+        <p:cNvPr id="1" name=""/>
+        <p:cNvGrpSpPr/>
+        <p:nvPr/>
+      </p:nvGrpSpPr>
+      <p:grpSpPr>
+        <a:xfrm>
+          <a:off x="0" y="0"/>
+          <a:ext cx="0" cy="0"/>
+          <a:chOff x="0" y="0"/>
+          <a:chExt cx="0" cy="0"/>
+        </a:xfrm>
+      </p:grpSpPr>
+      <p:sp>
+        <p:nvSpPr>
+          <p:cNvPr id="2" name="Title 1"/>
+          <p:cNvSpPr>
+            <a:spLocks noGrp="1"/>
+          </p:cNvSpPr>
+          <p:nvPr>
+            <p:ph type="ctrTitle"/>
+          </p:nvPr>
+        </p:nvSpPr>
+        <p:spPr>
+          <a:xfrm>
+            <a:off x="685800" y="160685"/>
+            <a:ext cx="7772400" cy="1470025"/>
+          </a:xfrm>
+        </p:spPr>
+        <p:txBody>
+          <a:bodyPr/>
+          <a:lstStyle/>
+          <a:p>
+            <a:r>
+              <a:rPr lang="en-US" dirty="0" smtClean="0"/>
+              <a:t>Lab: Karma</a:t>
+            </a:r>
+            <a:endParaRPr lang="en-US" dirty="0"/>
+          </a:p>
+        </p:txBody>
+      </p:sp>
+      <p:sp>
+        <p:nvSpPr>
+          <p:cNvPr id="3" name="Subtitle 2"/>
+          <p:cNvSpPr>
+            <a:spLocks noGrp="1"/>
+          </p:cNvSpPr>
+          <p:nvPr>
+            <p:ph type="subTitle" idx="1"/>
+          </p:nvPr>
+        </p:nvSpPr>
+        <p:spPr>
+          <a:xfrm>
+            <a:off x="454651" y="1630710"/>
+            <a:ext cx="8371875" cy="4609893"/>
+          </a:xfrm>
+        </p:spPr>
+        <p:txBody>
+          <a:bodyPr>
+            <a:normAutofit/>
+          </a:bodyPr>
+          <a:lstStyle/>
+          <a:p>
+            <a:pPr marL="342900" indent="-342900" algn="l">
+              <a:buFont typeface="Arial"/>
+              <a:buChar char="•"/>
+            </a:pPr>
+            <a:r>
+              <a:rPr lang="en-US" sz="2000" dirty="0" err="1" smtClean="0"/>
+              <a:t>npm</a:t>
+            </a:r>
+            <a:r>
+              <a:rPr lang="en-US" sz="2000" dirty="0" smtClean="0"/>
+              <a:t> install karma</a:t>
+            </a:r>
+          </a:p>
+          <a:p>
+            <a:pPr marL="342900" indent="-342900" algn="l">
+              <a:buFont typeface="Arial"/>
+              <a:buChar char="•"/>
+            </a:pPr>
+            <a:r>
+              <a:rPr lang="en-US" sz="2000" dirty="0" smtClean="0"/>
+              <a:t>Set up Karma </a:t>
+            </a:r>
+            <a:r>
+              <a:rPr lang="en-US" sz="2000" dirty="0" err="1" smtClean="0"/>
+              <a:t>config</a:t>
+            </a:r>
+            <a:endParaRPr lang="en-US" sz="2000" dirty="0" smtClean="0"/>
+          </a:p>
+          <a:p>
+            <a:pPr marL="342900" indent="-342900" algn="l">
+              <a:buFont typeface="Arial"/>
+              <a:buChar char="•"/>
+            </a:pPr>
+            <a:endParaRPr lang="en-US" sz="2000" dirty="0" smtClean="0"/>
+          </a:p>
+        </p:txBody>
+      </p:sp>
+    </p:spTree>
+    <p:extLst>
+      <p:ext uri="{BB962C8B-B14F-4D97-AF65-F5344CB8AC3E}">
+        <p14:creationId xmlns:p14="http://schemas.microsoft.com/office/powerpoint/2010/main" val="544703857"/>
+      </p:ext>
+    </p:extLst>
+  </p:cSld>
+  <p:clrMapOvr>
+    <a:masterClrMapping/>
+  </p:clrMapOvr>
+  <p:timing>
+    <p:tnLst>
+      <p:par>
+        <p:cTn xmlns:p14="http://schemas.microsoft.com/office/powerpoint/2010/main" id="1" dur="indefinite" restart="never" nodeType="tmRoot"/>
+      </p:par>
+    </p:tnLst>
+  </p:timing>
+</p:sld>
+</file>
+
 <file path=ppt/slides/slide2.xml><?xml version="1.0" encoding="utf-8"?>
 <p:sld xmlns:a="http://schemas.openxmlformats.org/drawingml/2006/main" xmlns:r="http://schemas.openxmlformats.org/officeDocument/2006/relationships" xmlns:p="http://schemas.openxmlformats.org/presentationml/2006/main">
   <p:cSld>
@@ -3268,10 +3561,13 @@
               <a:buChar char="•"/>
             </a:pPr>
             <a:r>
+              <a:rPr lang="en-US" sz="1600" dirty="0"/>
+              <a:t>HTML5 Forms and </a:t>
+            </a:r>
+            <a:r>
               <a:rPr lang="en-US" sz="1600" dirty="0" smtClean="0"/>
-              <a:t>Marionette Overview</a:t>
-            </a:r>
-            <a:endParaRPr lang="en-US" sz="1600" dirty="0" smtClean="0"/>
+              <a:t>Validation</a:t>
+            </a:r>
           </a:p>
           <a:p>
             <a:pPr marL="342900" indent="-342900" algn="l">
@@ -3280,21 +3576,8 @@
             </a:pPr>
             <a:r>
               <a:rPr lang="en-US" sz="1600" dirty="0" smtClean="0"/>
-              <a:t>Lab: Marionette </a:t>
-            </a:r>
-            <a:r>
-              <a:rPr lang="en-US" sz="1600" dirty="0" err="1" smtClean="0"/>
-              <a:t>ItemView</a:t>
-            </a:r>
-            <a:r>
-              <a:rPr lang="en-US" sz="1600" dirty="0" smtClean="0"/>
-              <a:t>, </a:t>
-            </a:r>
-            <a:r>
-              <a:rPr lang="en-US" sz="1600" dirty="0" err="1" smtClean="0"/>
-              <a:t>CollectionView</a:t>
-            </a:r>
-            <a:endParaRPr lang="en-US" sz="1600" dirty="0"/>
+              <a:t>Lab: Explore HTML5 forms</a:t>
+            </a:r>
           </a:p>
           <a:p>
             <a:pPr marL="342900" indent="-342900" algn="l">
@@ -3313,7 +3596,7 @@
             </a:pPr>
             <a:r>
               <a:rPr lang="en-US" sz="1600" dirty="0" smtClean="0"/>
-              <a:t>Lab: continue Marionette</a:t>
+              <a:t>Lab: Connect form to server</a:t>
             </a:r>
           </a:p>
           <a:p>
@@ -3333,9 +3616,8 @@
             </a:pPr>
             <a:r>
               <a:rPr lang="en-US" sz="1600" dirty="0" smtClean="0"/>
-              <a:t>React Architecture</a:t>
-            </a:r>
-            <a:endParaRPr lang="en-US" sz="1600" dirty="0" smtClean="0"/>
+              <a:t>Intro to Jasmine</a:t>
+            </a:r>
           </a:p>
           <a:p>
             <a:pPr marL="342900" indent="-342900" algn="l">
@@ -3344,15 +3626,27 @@
             </a:pPr>
             <a:r>
               <a:rPr lang="en-US" sz="1600" dirty="0" smtClean="0"/>
-              <a:t>Lab: </a:t>
-            </a:r>
-            <a:r>
-              <a:rPr lang="en-US" sz="1600" dirty="0"/>
-              <a:t>Backbone </a:t>
-            </a:r>
+              <a:t>Lab: Explore Jasmine</a:t>
+            </a:r>
+          </a:p>
+          <a:p>
+            <a:pPr marL="342900" indent="-342900" algn="l">
+              <a:buFont typeface="Arial"/>
+              <a:buChar char="•"/>
+            </a:pPr>
             <a:r>
               <a:rPr lang="en-US" sz="1600" dirty="0" smtClean="0"/>
-              <a:t>&amp; React</a:t>
+              <a:t>Karma</a:t>
+            </a:r>
+          </a:p>
+          <a:p>
+            <a:pPr marL="342900" indent="-342900" algn="l">
+              <a:buFont typeface="Arial"/>
+              <a:buChar char="•"/>
+            </a:pPr>
+            <a:r>
+              <a:rPr lang="en-US" sz="1600" dirty="0" smtClean="0"/>
+              <a:t>Lab: Automation with Karma</a:t>
             </a:r>
           </a:p>
           <a:p>
@@ -3372,7 +3666,7 @@
             </a:pPr>
             <a:r>
               <a:rPr lang="en-US" sz="1600" dirty="0" smtClean="0"/>
-              <a:t>Lab: continue React</a:t>
+              <a:t>Discussion, continue Lab</a:t>
             </a:r>
           </a:p>
           <a:p>
@@ -3382,7 +3676,11 @@
             </a:pPr>
             <a:r>
               <a:rPr lang="en-US" sz="1600" dirty="0" smtClean="0"/>
-              <a:t>Wrap up</a:t>
+              <a:t>Wrap </a:t>
+            </a:r>
+            <a:r>
+              <a:rPr lang="en-US" sz="1600" dirty="0" smtClean="0"/>
+              <a:t>up</a:t>
             </a:r>
             <a:endParaRPr lang="en-US" sz="1600" dirty="0"/>
           </a:p>
@@ -3453,8 +3751,8 @@
           <a:lstStyle/>
           <a:p>
             <a:r>
-              <a:rPr lang="en-US" dirty="0"/>
-              <a:t>Marionette Overview</a:t>
+              <a:rPr lang="en-US" dirty="0" smtClean="0"/>
+              <a:t>HTML5 Forms</a:t>
             </a:r>
             <a:endParaRPr lang="en-US" dirty="0"/>
           </a:p>
@@ -3482,50 +3780,121 @@
           </a:bodyPr>
           <a:lstStyle/>
           <a:p>
-            <a:r>
-              <a:rPr lang="en-US" sz="1800" dirty="0" smtClean="0"/>
-              <a:t>- </a:t>
-            </a:r>
-            <a:r>
-              <a:rPr lang="en-US" sz="1800" dirty="0"/>
-              <a:t>Extend Backbone behavior at a higher level</a:t>
-            </a:r>
-          </a:p>
-          <a:p>
-            <a:r>
-              <a:rPr lang="en-US" sz="1800" dirty="0"/>
-              <a:t> - </a:t>
-            </a:r>
-            <a:r>
-              <a:rPr lang="en-US" sz="1800" dirty="0" err="1"/>
-              <a:t>ItemView</a:t>
-            </a:r>
-            <a:r>
-              <a:rPr lang="en-US" sz="1800" dirty="0"/>
-              <a:t> &amp; </a:t>
-            </a:r>
-            <a:r>
-              <a:rPr lang="en-US" sz="1800" dirty="0" err="1"/>
-              <a:t>CollectionView</a:t>
-            </a:r>
-            <a:r>
-              <a:rPr lang="en-US" sz="1800" dirty="0"/>
-              <a:t> most common</a:t>
-            </a:r>
-          </a:p>
-          <a:p>
-            <a:r>
-              <a:rPr lang="en-US" sz="1800" dirty="0"/>
-              <a:t> - Eliminate common boilerplate like render</a:t>
-            </a:r>
-            <a:endParaRPr lang="en-US" sz="2000" dirty="0" smtClean="0"/>
+            <a:pPr marL="342900" indent="-342900" algn="l">
+              <a:buFont typeface="Arial"/>
+              <a:buChar char="•"/>
+            </a:pPr>
+            <a:r>
+              <a:rPr lang="en-US" sz="2000" dirty="0" smtClean="0"/>
+              <a:t>Quick refresher/quiz on HTML forms</a:t>
+            </a:r>
+          </a:p>
+          <a:p>
+            <a:pPr marL="342900" indent="-342900" algn="l">
+              <a:buFont typeface="Arial"/>
+              <a:buChar char="•"/>
+            </a:pPr>
+            <a:r>
+              <a:rPr lang="en-US" sz="2000" dirty="0" smtClean="0"/>
+              <a:t>What is HTML5?</a:t>
+            </a:r>
+          </a:p>
+          <a:p>
+            <a:pPr marL="342900" indent="-342900" algn="l">
+              <a:buFont typeface="Arial"/>
+              <a:buChar char="•"/>
+            </a:pPr>
+            <a:r>
+              <a:rPr lang="en-US" sz="2000" dirty="0" smtClean="0"/>
+              <a:t>New input types. Super useful ones:</a:t>
+            </a:r>
+          </a:p>
+          <a:p>
+            <a:pPr marL="800100" lvl="1" indent="-342900" algn="l">
+              <a:buFont typeface="Arial"/>
+              <a:buChar char="•"/>
+            </a:pPr>
+            <a:r>
+              <a:rPr lang="en-US" sz="1600" dirty="0" smtClean="0"/>
+              <a:t>URL</a:t>
+            </a:r>
+          </a:p>
+          <a:p>
+            <a:pPr marL="800100" lvl="1" indent="-342900" algn="l">
+              <a:buFont typeface="Arial"/>
+              <a:buChar char="•"/>
+            </a:pPr>
+            <a:r>
+              <a:rPr lang="en-US" sz="1600" dirty="0" smtClean="0"/>
+              <a:t>email</a:t>
+            </a:r>
+          </a:p>
+          <a:p>
+            <a:pPr marL="800100" lvl="1" indent="-342900" algn="l">
+              <a:buFont typeface="Arial"/>
+              <a:buChar char="•"/>
+            </a:pPr>
+            <a:r>
+              <a:rPr lang="en-US" sz="1600" dirty="0" smtClean="0"/>
+              <a:t>Number</a:t>
+            </a:r>
+          </a:p>
+          <a:p>
+            <a:pPr marL="800100" lvl="1" indent="-342900" algn="l">
+              <a:buFont typeface="Arial"/>
+              <a:buChar char="•"/>
+            </a:pPr>
+            <a:r>
+              <a:rPr lang="en-US" sz="1600" dirty="0" smtClean="0"/>
+              <a:t>Dates</a:t>
+            </a:r>
+          </a:p>
+          <a:p>
+            <a:pPr marL="342900" indent="-342900" algn="l">
+              <a:buFont typeface="Arial"/>
+              <a:buChar char="•"/>
+            </a:pPr>
+            <a:r>
+              <a:rPr lang="en-US" sz="2000" dirty="0" smtClean="0"/>
+              <a:t>Validation attributes</a:t>
+            </a:r>
+          </a:p>
+          <a:p>
+            <a:pPr marL="800100" lvl="1" indent="-342900" algn="l">
+              <a:buFont typeface="Arial"/>
+              <a:buChar char="•"/>
+            </a:pPr>
+            <a:r>
+              <a:rPr lang="en-US" sz="1600" dirty="0" smtClean="0"/>
+              <a:t>Pattern</a:t>
+            </a:r>
+          </a:p>
+          <a:p>
+            <a:pPr marL="800100" lvl="1" indent="-342900" algn="l">
+              <a:buFont typeface="Arial"/>
+              <a:buChar char="•"/>
+            </a:pPr>
+            <a:r>
+              <a:rPr lang="en-US" sz="1600" dirty="0" smtClean="0"/>
+              <a:t>Required</a:t>
+            </a:r>
+          </a:p>
+          <a:p>
+            <a:pPr marL="800100" lvl="1" indent="-342900" algn="l">
+              <a:buFont typeface="Arial"/>
+              <a:buChar char="•"/>
+            </a:pPr>
+            <a:r>
+              <a:rPr lang="en-US" sz="1600" dirty="0" smtClean="0"/>
+              <a:t>min/max/step</a:t>
+            </a:r>
           </a:p>
         </p:txBody>
       </p:sp>
     </p:spTree>
     <p:extLst>
       <p:ext uri="{BB962C8B-B14F-4D97-AF65-F5344CB8AC3E}">
-        <p14:creationId xmlns:p14="http://schemas.microsoft.com/office/powerpoint/2010/main" val="4200027496"/>
+        <p14:creationId xmlns:p14="http://schemas.microsoft.com/office/powerpoint/2010/main" val="4233359034"/>
       </p:ext>
     </p:extLst>
   </p:cSld>
@@ -3581,7 +3950,7 @@
           <a:p>
             <a:r>
               <a:rPr lang="en-US" dirty="0" smtClean="0"/>
-              <a:t>Lab: Marionette</a:t>
+              <a:t>HTML5 Forms</a:t>
             </a:r>
             <a:endParaRPr lang="en-US" dirty="0"/>
           </a:p>
@@ -3609,76 +3978,158 @@
           </a:bodyPr>
           <a:lstStyle/>
           <a:p>
-            <a:pPr algn="l"/>
-            <a:r>
-              <a:rPr lang="en-US" sz="1800" dirty="0"/>
-              <a:t> - </a:t>
-            </a:r>
-            <a:r>
-              <a:rPr lang="en-US" sz="1800" dirty="0" err="1"/>
-              <a:t>npm</a:t>
-            </a:r>
-            <a:r>
-              <a:rPr lang="en-US" sz="1800" dirty="0"/>
-              <a:t> install Marionette</a:t>
-            </a:r>
-          </a:p>
-          <a:p>
-            <a:pPr algn="l"/>
-            <a:r>
-              <a:rPr lang="en-US" sz="1800" dirty="0"/>
-              <a:t> - Define regions</a:t>
-            </a:r>
-          </a:p>
-          <a:p>
-            <a:pPr algn="l"/>
-            <a:r>
-              <a:rPr lang="en-US" sz="1800" dirty="0"/>
-              <a:t> - Modify input to choose from </a:t>
-            </a:r>
-            <a:r>
-              <a:rPr lang="en-US" sz="1800" dirty="0" err="1"/>
-              <a:t>CollectionView</a:t>
-            </a:r>
-            <a:endParaRPr lang="en-US" sz="1800" dirty="0"/>
-          </a:p>
-          <a:p>
-            <a:pPr algn="l"/>
-            <a:r>
-              <a:rPr lang="en-US" sz="1800" dirty="0"/>
-              <a:t> - Write </a:t>
-            </a:r>
-            <a:r>
-              <a:rPr lang="en-US" sz="1800" dirty="0" smtClean="0"/>
-              <a:t>tests</a:t>
-            </a:r>
-          </a:p>
-          <a:p>
-            <a:pPr algn="l"/>
-            <a:r>
-              <a:rPr lang="en-US" sz="1800" dirty="0"/>
+            <a:pPr marL="342900" indent="-342900" algn="l">
+              <a:buFont typeface="Arial"/>
+              <a:buChar char="•"/>
+            </a:pPr>
+            <a:r>
+              <a:rPr lang="en-US" sz="2000" dirty="0" smtClean="0"/>
+              <a:t>CSS3</a:t>
+            </a:r>
+          </a:p>
+          <a:p>
+            <a:pPr marL="800100" lvl="1" indent="-342900" algn="l">
+              <a:buFont typeface="Arial"/>
+              <a:buChar char="•"/>
+            </a:pPr>
+            <a:r>
+              <a:rPr lang="en-US" sz="1600" dirty="0"/>
+              <a:t>:valid and :</a:t>
+            </a:r>
+            <a:r>
+              <a:rPr lang="en-US" sz="1600" dirty="0" smtClean="0"/>
+              <a:t>invalid</a:t>
+            </a:r>
+            <a:endParaRPr lang="en-US" sz="1600" dirty="0"/>
+          </a:p>
+          <a:p>
+            <a:pPr marL="800100" lvl="1" indent="-342900" algn="l">
+              <a:buFont typeface="Arial"/>
+              <a:buChar char="•"/>
+            </a:pPr>
+            <a:r>
+              <a:rPr lang="en-US" sz="1600" dirty="0"/>
+              <a:t>:required and :</a:t>
+            </a:r>
+            <a:r>
+              <a:rPr lang="en-US" sz="1600" dirty="0" smtClean="0"/>
+              <a:t>optional</a:t>
+            </a:r>
+            <a:endParaRPr lang="en-US" sz="1600" dirty="0"/>
+          </a:p>
+          <a:p>
+            <a:pPr marL="800100" lvl="1" indent="-342900" algn="l">
+              <a:buFont typeface="Arial"/>
+              <a:buChar char="•"/>
+            </a:pPr>
+            <a:r>
+              <a:rPr lang="en-US" sz="1600" dirty="0"/>
+              <a:t>:in-range and :out-of-</a:t>
+            </a:r>
+            <a:r>
+              <a:rPr lang="en-US" sz="1600" dirty="0" smtClean="0"/>
+              <a:t>range</a:t>
+            </a:r>
+          </a:p>
+          <a:p>
+            <a:pPr marL="342900" indent="-342900" algn="l">
+              <a:buFont typeface="Arial"/>
+              <a:buChar char="•"/>
+            </a:pPr>
+            <a:r>
+              <a:rPr lang="en-US" sz="2000" dirty="0" smtClean="0"/>
+              <a:t>APIs</a:t>
+            </a:r>
+          </a:p>
+          <a:p>
+            <a:pPr marL="800100" lvl="1" indent="-342900" algn="l">
+              <a:buFont typeface="Arial"/>
+              <a:buChar char="•"/>
+            </a:pPr>
+            <a:r>
+              <a:rPr lang="en-US" sz="1600" dirty="0" err="1" smtClean="0"/>
+              <a:t>stepUp</a:t>
+            </a:r>
+            <a:r>
+              <a:rPr lang="en-US" sz="1600" dirty="0" smtClean="0"/>
+              <a:t>/</a:t>
+            </a:r>
+            <a:r>
+              <a:rPr lang="en-US" sz="1600" dirty="0" err="1" smtClean="0"/>
+              <a:t>stepDown</a:t>
+            </a:r>
+            <a:endParaRPr lang="en-US" sz="1600" dirty="0"/>
+          </a:p>
+          <a:p>
+            <a:pPr marL="800100" lvl="1" indent="-342900" algn="l">
+              <a:buFont typeface="Arial"/>
+              <a:buChar char="•"/>
+            </a:pPr>
+            <a:r>
+              <a:rPr lang="en-US" sz="1600" dirty="0" err="1" smtClean="0"/>
+              <a:t>valueAsNumber</a:t>
+            </a:r>
+            <a:r>
+              <a:rPr lang="en-US" sz="1600" dirty="0"/>
+              <a:t>/</a:t>
+            </a:r>
+            <a:r>
+              <a:rPr lang="en-US" sz="1600" dirty="0" err="1" smtClean="0"/>
+              <a:t>valueAsDate</a:t>
+            </a:r>
+            <a:endParaRPr lang="en-US" sz="1600" dirty="0" smtClean="0"/>
+          </a:p>
+          <a:p>
+            <a:pPr marL="800100" lvl="1" indent="-342900" algn="l">
+              <a:buFont typeface="Arial"/>
+              <a:buChar char="•"/>
+            </a:pPr>
+            <a:r>
+              <a:rPr lang="en-US" sz="1600" dirty="0" err="1"/>
+              <a:t>FormData</a:t>
+            </a:r>
+            <a:r>
+              <a:rPr lang="en-US" sz="1600" dirty="0"/>
               <a:t> </a:t>
             </a:r>
             <a:r>
-              <a:rPr lang="en-US" sz="1800" dirty="0" smtClean="0"/>
-              <a:t>- 60 </a:t>
-            </a:r>
-            <a:r>
-              <a:rPr lang="en-US" sz="1800" dirty="0" err="1" smtClean="0"/>
-              <a:t>mins</a:t>
-            </a:r>
-            <a:r>
-              <a:rPr lang="en-US" sz="1800" dirty="0" smtClean="0"/>
-              <a:t>, then 10 min break</a:t>
-            </a:r>
-            <a:endParaRPr lang="en-US" sz="2000" dirty="0" smtClean="0"/>
+              <a:rPr lang="en-US" sz="1600" dirty="0" smtClean="0"/>
+              <a:t>Object</a:t>
+            </a:r>
+          </a:p>
+          <a:p>
+            <a:pPr marL="800100" lvl="1" indent="-342900" algn="l">
+              <a:buFont typeface="Arial"/>
+              <a:buChar char="•"/>
+            </a:pPr>
+            <a:r>
+              <a:rPr lang="en-US" sz="1600" dirty="0" err="1" smtClean="0"/>
+              <a:t>willValidate</a:t>
+            </a:r>
+            <a:r>
+              <a:rPr lang="en-US" sz="1600" dirty="0" smtClean="0"/>
+              <a:t>/</a:t>
+            </a:r>
+            <a:r>
+              <a:rPr lang="en-US" sz="1600" dirty="0" err="1" smtClean="0"/>
+              <a:t>checkValidity</a:t>
+            </a:r>
+            <a:r>
+              <a:rPr lang="en-US" sz="1600" dirty="0" smtClean="0"/>
+              <a:t>/validity/</a:t>
+            </a:r>
+            <a:r>
+              <a:rPr lang="en-US" sz="1600" dirty="0" err="1" smtClean="0"/>
+              <a:t>validationMessage</a:t>
+            </a:r>
+            <a:endParaRPr lang="en-US" sz="1600" dirty="0" smtClean="0"/>
           </a:p>
         </p:txBody>
       </p:sp>
     </p:spTree>
     <p:extLst>
       <p:ext uri="{BB962C8B-B14F-4D97-AF65-F5344CB8AC3E}">
-        <p14:creationId xmlns:p14="http://schemas.microsoft.com/office/powerpoint/2010/main" val="32624770"/>
+        <p14:creationId xmlns:p14="http://schemas.microsoft.com/office/powerpoint/2010/main" val="1377129837"/>
       </p:ext>
     </p:extLst>
   </p:cSld>
@@ -3733,8 +4184,8 @@
           <a:lstStyle/>
           <a:p>
             <a:r>
-              <a:rPr lang="en-US" dirty="0"/>
-              <a:t>React Architecture</a:t>
+              <a:rPr lang="en-US" dirty="0" smtClean="0"/>
+              <a:t>Lab: HTML5 Forms</a:t>
             </a:r>
             <a:endParaRPr lang="en-US" dirty="0"/>
           </a:p>
@@ -3764,42 +4215,39 @@
           <a:p>
             <a:pPr algn="l"/>
             <a:r>
-              <a:rPr lang="en-US" sz="1800" dirty="0" smtClean="0"/>
-              <a:t>- </a:t>
-            </a:r>
-            <a:r>
-              <a:rPr lang="en-US" sz="1800" dirty="0"/>
-              <a:t>Virtual DOM</a:t>
+              <a:rPr lang="en-US" sz="2000" dirty="0"/>
+              <a:t> - Explore HTML5 </a:t>
+            </a:r>
+            <a:r>
+              <a:rPr lang="en-US" sz="2000" dirty="0" smtClean="0"/>
+              <a:t>forms</a:t>
             </a:r>
           </a:p>
           <a:p>
             <a:pPr algn="l"/>
             <a:r>
-              <a:rPr lang="en-US" sz="1800" dirty="0"/>
-              <a:t> - Component based architecture</a:t>
-            </a:r>
-          </a:p>
-          <a:p>
-            <a:pPr algn="l"/>
-            <a:r>
-              <a:rPr lang="en-US" sz="1800" dirty="0"/>
-              <a:t> - Component lifecycle: mount, state, props</a:t>
-            </a:r>
-          </a:p>
-          <a:p>
-            <a:pPr algn="l"/>
-            <a:r>
-              <a:rPr lang="en-US" sz="1800" dirty="0"/>
-              <a:t> - JSX</a:t>
-            </a:r>
-            <a:endParaRPr lang="en-US" sz="2000" dirty="0" smtClean="0"/>
+              <a:rPr lang="en-US" sz="2000" dirty="0"/>
+              <a:t> </a:t>
+            </a:r>
+            <a:r>
+              <a:rPr lang="en-US" sz="2000" dirty="0" smtClean="0"/>
+              <a:t>- 90 </a:t>
+            </a:r>
+            <a:r>
+              <a:rPr lang="en-US" sz="2000" dirty="0" err="1" smtClean="0"/>
+              <a:t>mins</a:t>
+            </a:r>
+            <a:r>
+              <a:rPr lang="en-US" sz="2000" dirty="0" smtClean="0"/>
+              <a:t>, then 15 min break</a:t>
+            </a:r>
           </a:p>
         </p:txBody>
       </p:sp>
     </p:spTree>
     <p:extLst>
       <p:ext uri="{BB962C8B-B14F-4D97-AF65-F5344CB8AC3E}">
-        <p14:creationId xmlns:p14="http://schemas.microsoft.com/office/powerpoint/2010/main" val="615734328"/>
+        <p14:creationId xmlns:p14="http://schemas.microsoft.com/office/powerpoint/2010/main" val="3323379771"/>
       </p:ext>
     </p:extLst>
   </p:cSld>
@@ -3855,7 +4303,7 @@
           <a:p>
             <a:r>
               <a:rPr lang="en-US" dirty="0" smtClean="0"/>
-              <a:t>Lab: React views</a:t>
+              <a:t>Lab: HTML5 Forms</a:t>
             </a:r>
             <a:endParaRPr lang="en-US" dirty="0"/>
           </a:p>
@@ -3885,54 +4333,542 @@
           <a:p>
             <a:pPr algn="l"/>
             <a:r>
-              <a:rPr lang="en-US" sz="1800" dirty="0"/>
-              <a:t> - Create React views</a:t>
+              <a:rPr lang="en-US" sz="2000" dirty="0"/>
+              <a:t> - </a:t>
+            </a:r>
+            <a:r>
+              <a:rPr lang="en-US" sz="2000" dirty="0" smtClean="0"/>
+              <a:t>Connect form to server</a:t>
             </a:r>
           </a:p>
           <a:p>
             <a:pPr algn="l"/>
             <a:r>
-              <a:rPr lang="en-US" sz="1800" dirty="0"/>
-              <a:t> - Pass Backbone models into props</a:t>
-            </a:r>
-          </a:p>
-          <a:p>
-            <a:pPr algn="l"/>
-            <a:r>
-              <a:rPr lang="en-US" sz="1800" dirty="0"/>
-              <a:t> - Write </a:t>
-            </a:r>
-            <a:r>
-              <a:rPr lang="en-US" sz="1800" dirty="0" smtClean="0"/>
-              <a:t>tests</a:t>
-            </a:r>
-          </a:p>
-          <a:p>
-            <a:pPr algn="l"/>
-            <a:r>
-              <a:rPr lang="en-US" sz="1800" dirty="0"/>
+              <a:rPr lang="en-US" sz="2000" dirty="0"/>
               <a:t> </a:t>
             </a:r>
             <a:r>
-              <a:rPr lang="en-US" sz="1800" dirty="0" smtClean="0"/>
-              <a:t>- 90 </a:t>
-            </a:r>
-            <a:r>
-              <a:rPr lang="en-US" sz="1800" dirty="0" err="1" smtClean="0"/>
+              <a:rPr lang="en-US" sz="2000" dirty="0" smtClean="0"/>
+              <a:t>- 60 </a:t>
+            </a:r>
+            <a:r>
+              <a:rPr lang="en-US" sz="2000" dirty="0" err="1" smtClean="0"/>
               <a:t>mins</a:t>
             </a:r>
             <a:r>
-              <a:rPr lang="en-US" sz="1800" dirty="0" smtClean="0"/>
-              <a:t>, then 15 min break</a:t>
-            </a:r>
-            <a:endParaRPr lang="en-US" sz="2000" dirty="0" smtClean="0"/>
+              <a:rPr lang="en-US" sz="2000" dirty="0" smtClean="0"/>
+              <a:t>, then lunch</a:t>
+            </a:r>
           </a:p>
         </p:txBody>
       </p:sp>
     </p:spTree>
     <p:extLst>
       <p:ext uri="{BB962C8B-B14F-4D97-AF65-F5344CB8AC3E}">
-        <p14:creationId xmlns:p14="http://schemas.microsoft.com/office/powerpoint/2010/main" val="3832655963"/>
+        <p14:creationId xmlns:p14="http://schemas.microsoft.com/office/powerpoint/2010/main" val="2270034565"/>
+      </p:ext>
+    </p:extLst>
+  </p:cSld>
+  <p:clrMapOvr>
+    <a:masterClrMapping/>
+  </p:clrMapOvr>
+  <p:timing>
+    <p:tnLst>
+      <p:par>
+        <p:cTn xmlns:p14="http://schemas.microsoft.com/office/powerpoint/2010/main" id="1" dur="indefinite" restart="never" nodeType="tmRoot"/>
+      </p:par>
+    </p:tnLst>
+  </p:timing>
+</p:sld>
+</file>
+
+<file path=ppt/slides/slide7.xml><?xml version="1.0" encoding="utf-8"?>
+<p:sld xmlns:a="http://schemas.openxmlformats.org/drawingml/2006/main" xmlns:r="http://schemas.openxmlformats.org/officeDocument/2006/relationships" xmlns:p="http://schemas.openxmlformats.org/presentationml/2006/main">
+  <p:cSld>
+    <p:spTree>
+      <p:nvGrpSpPr>
+        <p:cNvPr id="1" name=""/>
+        <p:cNvGrpSpPr/>
+        <p:nvPr/>
+      </p:nvGrpSpPr>
+      <p:grpSpPr>
+        <a:xfrm>
+          <a:off x="0" y="0"/>
+          <a:ext cx="0" cy="0"/>
+          <a:chOff x="0" y="0"/>
+          <a:chExt cx="0" cy="0"/>
+        </a:xfrm>
+      </p:grpSpPr>
+      <p:sp>
+        <p:nvSpPr>
+          <p:cNvPr id="2" name="Title 1"/>
+          <p:cNvSpPr>
+            <a:spLocks noGrp="1"/>
+          </p:cNvSpPr>
+          <p:nvPr>
+            <p:ph type="ctrTitle"/>
+          </p:nvPr>
+        </p:nvSpPr>
+        <p:spPr>
+          <a:xfrm>
+            <a:off x="685800" y="160685"/>
+            <a:ext cx="7772400" cy="1470025"/>
+          </a:xfrm>
+        </p:spPr>
+        <p:txBody>
+          <a:bodyPr/>
+          <a:lstStyle/>
+          <a:p>
+            <a:r>
+              <a:rPr lang="en-US" dirty="0" smtClean="0"/>
+              <a:t>Jasmine</a:t>
+            </a:r>
+            <a:endParaRPr lang="en-US" dirty="0"/>
+          </a:p>
+        </p:txBody>
+      </p:sp>
+      <p:sp>
+        <p:nvSpPr>
+          <p:cNvPr id="3" name="Subtitle 2"/>
+          <p:cNvSpPr>
+            <a:spLocks noGrp="1"/>
+          </p:cNvSpPr>
+          <p:nvPr>
+            <p:ph type="subTitle" idx="1"/>
+          </p:nvPr>
+        </p:nvSpPr>
+        <p:spPr>
+          <a:xfrm>
+            <a:off x="454651" y="1630710"/>
+            <a:ext cx="8371875" cy="4609893"/>
+          </a:xfrm>
+        </p:spPr>
+        <p:txBody>
+          <a:bodyPr>
+            <a:normAutofit/>
+          </a:bodyPr>
+          <a:lstStyle/>
+          <a:p>
+            <a:pPr marL="342900" indent="-342900" algn="l">
+              <a:buFont typeface="Arial"/>
+              <a:buChar char="•"/>
+            </a:pPr>
+            <a:r>
+              <a:rPr lang="en-US" sz="2000" dirty="0" smtClean="0"/>
+              <a:t>Behavior Driven Development</a:t>
+            </a:r>
+          </a:p>
+          <a:p>
+            <a:pPr marL="342900" indent="-342900" algn="l">
+              <a:buFont typeface="Arial"/>
+              <a:buChar char="•"/>
+            </a:pPr>
+            <a:r>
+              <a:rPr lang="en-US" sz="2000" dirty="0" smtClean="0"/>
+              <a:t>Aims to describe code as well as test it</a:t>
+            </a:r>
+          </a:p>
+          <a:p>
+            <a:pPr marL="342900" indent="-342900" algn="l">
+              <a:buFont typeface="Arial"/>
+              <a:buChar char="•"/>
+            </a:pPr>
+            <a:r>
+              <a:rPr lang="en-US" sz="2000" dirty="0" smtClean="0"/>
+              <a:t>Do setup, then make assertions</a:t>
+            </a:r>
+          </a:p>
+          <a:p>
+            <a:pPr marL="342900" indent="-342900" algn="l">
+              <a:buFont typeface="Arial"/>
+              <a:buChar char="•"/>
+            </a:pPr>
+            <a:endParaRPr lang="en-US" sz="2000" dirty="0"/>
+          </a:p>
+          <a:p>
+            <a:pPr algn="l"/>
+            <a:r>
+              <a:rPr lang="en-US" sz="2000" dirty="0"/>
+              <a:t>describe</a:t>
+            </a:r>
+            <a:r>
+              <a:rPr lang="en-US" sz="2000" dirty="0" smtClean="0"/>
+              <a:t>( '</a:t>
+            </a:r>
+            <a:r>
+              <a:rPr lang="en-US" sz="2000" dirty="0"/>
+              <a:t>Hello world', function() {</a:t>
+            </a:r>
+          </a:p>
+          <a:p>
+            <a:pPr algn="l"/>
+            <a:r>
+              <a:rPr lang="en-US" sz="2000" dirty="0"/>
+              <a:t>  it</a:t>
+            </a:r>
+            <a:r>
+              <a:rPr lang="en-US" sz="2000" dirty="0" smtClean="0"/>
+              <a:t>( '</a:t>
+            </a:r>
+            <a:r>
+              <a:rPr lang="en-US" sz="2000" dirty="0"/>
+              <a:t>says hello', function() {</a:t>
+            </a:r>
+          </a:p>
+          <a:p>
+            <a:pPr algn="l"/>
+            <a:r>
+              <a:rPr lang="en-US" sz="2000" dirty="0"/>
+              <a:t>    expect</a:t>
+            </a:r>
+            <a:r>
+              <a:rPr lang="en-US" sz="2000" dirty="0" smtClean="0"/>
+              <a:t>( </a:t>
+            </a:r>
+            <a:r>
+              <a:rPr lang="en-US" sz="2000" dirty="0" err="1" smtClean="0"/>
+              <a:t>helloWorld</a:t>
+            </a:r>
+            <a:r>
+              <a:rPr lang="en-US" sz="2000" dirty="0"/>
+              <a:t>(</a:t>
+            </a:r>
+            <a:r>
+              <a:rPr lang="en-US" sz="2000" dirty="0" smtClean="0"/>
+              <a:t>) )</a:t>
+            </a:r>
+            <a:r>
+              <a:rPr lang="en-US" sz="2000" dirty="0"/>
+              <a:t>.</a:t>
+            </a:r>
+            <a:r>
+              <a:rPr lang="en-US" sz="2000" dirty="0" err="1"/>
+              <a:t>toEqual</a:t>
+            </a:r>
+            <a:r>
+              <a:rPr lang="en-US" sz="2000" dirty="0" smtClean="0"/>
+              <a:t>( '</a:t>
+            </a:r>
+            <a:r>
+              <a:rPr lang="en-US" sz="2000" dirty="0"/>
+              <a:t>Hello world</a:t>
+            </a:r>
+            <a:r>
+              <a:rPr lang="en-US" sz="2000" dirty="0" smtClean="0"/>
+              <a:t>!' )</a:t>
+            </a:r>
+            <a:r>
+              <a:rPr lang="en-US" sz="2000" dirty="0"/>
+              <a:t>;</a:t>
+            </a:r>
+          </a:p>
+          <a:p>
+            <a:pPr algn="l"/>
+            <a:r>
+              <a:rPr lang="en-US" sz="2000" dirty="0"/>
+              <a:t>  });</a:t>
+            </a:r>
+          </a:p>
+          <a:p>
+            <a:pPr algn="l"/>
+            <a:r>
+              <a:rPr lang="en-US" sz="2000" dirty="0"/>
+              <a:t>});</a:t>
+            </a:r>
+            <a:endParaRPr lang="en-US" sz="2000" dirty="0" smtClean="0"/>
+          </a:p>
+        </p:txBody>
+      </p:sp>
+    </p:spTree>
+    <p:extLst>
+      <p:ext uri="{BB962C8B-B14F-4D97-AF65-F5344CB8AC3E}">
+        <p14:creationId xmlns:p14="http://schemas.microsoft.com/office/powerpoint/2010/main" val="2490822083"/>
+      </p:ext>
+    </p:extLst>
+  </p:cSld>
+  <p:clrMapOvr>
+    <a:masterClrMapping/>
+  </p:clrMapOvr>
+  <p:timing>
+    <p:tnLst>
+      <p:par>
+        <p:cTn xmlns:p14="http://schemas.microsoft.com/office/powerpoint/2010/main" id="1" dur="indefinite" restart="never" nodeType="tmRoot"/>
+      </p:par>
+    </p:tnLst>
+  </p:timing>
+</p:sld>
+</file>
+
+<file path=ppt/slides/slide8.xml><?xml version="1.0" encoding="utf-8"?>
+<p:sld xmlns:a="http://schemas.openxmlformats.org/drawingml/2006/main" xmlns:r="http://schemas.openxmlformats.org/officeDocument/2006/relationships" xmlns:p="http://schemas.openxmlformats.org/presentationml/2006/main">
+  <p:cSld>
+    <p:spTree>
+      <p:nvGrpSpPr>
+        <p:cNvPr id="1" name=""/>
+        <p:cNvGrpSpPr/>
+        <p:nvPr/>
+      </p:nvGrpSpPr>
+      <p:grpSpPr>
+        <a:xfrm>
+          <a:off x="0" y="0"/>
+          <a:ext cx="0" cy="0"/>
+          <a:chOff x="0" y="0"/>
+          <a:chExt cx="0" cy="0"/>
+        </a:xfrm>
+      </p:grpSpPr>
+      <p:sp>
+        <p:nvSpPr>
+          <p:cNvPr id="2" name="Title 1"/>
+          <p:cNvSpPr>
+            <a:spLocks noGrp="1"/>
+          </p:cNvSpPr>
+          <p:nvPr>
+            <p:ph type="ctrTitle"/>
+          </p:nvPr>
+        </p:nvSpPr>
+        <p:spPr>
+          <a:xfrm>
+            <a:off x="685800" y="160685"/>
+            <a:ext cx="7772400" cy="1470025"/>
+          </a:xfrm>
+        </p:spPr>
+        <p:txBody>
+          <a:bodyPr/>
+          <a:lstStyle/>
+          <a:p>
+            <a:r>
+              <a:rPr lang="en-US" dirty="0" smtClean="0"/>
+              <a:t>Jasmine</a:t>
+            </a:r>
+            <a:endParaRPr lang="en-US" dirty="0"/>
+          </a:p>
+        </p:txBody>
+      </p:sp>
+      <p:sp>
+        <p:nvSpPr>
+          <p:cNvPr id="3" name="Subtitle 2"/>
+          <p:cNvSpPr>
+            <a:spLocks noGrp="1"/>
+          </p:cNvSpPr>
+          <p:nvPr>
+            <p:ph type="subTitle" idx="1"/>
+          </p:nvPr>
+        </p:nvSpPr>
+        <p:spPr>
+          <a:xfrm>
+            <a:off x="454651" y="1630710"/>
+            <a:ext cx="8371875" cy="4609893"/>
+          </a:xfrm>
+        </p:spPr>
+        <p:txBody>
+          <a:bodyPr>
+            <a:normAutofit/>
+          </a:bodyPr>
+          <a:lstStyle/>
+          <a:p>
+            <a:pPr marL="342900" indent="-342900" algn="l">
+              <a:buFont typeface="Arial"/>
+              <a:buChar char="•"/>
+            </a:pPr>
+            <a:r>
+              <a:rPr lang="en-US" sz="2000" dirty="0" smtClean="0"/>
+              <a:t>What makes a good test?</a:t>
+            </a:r>
+          </a:p>
+          <a:p>
+            <a:pPr marL="342900" indent="-342900" algn="l">
+              <a:buFont typeface="Arial"/>
+              <a:buChar char="•"/>
+            </a:pPr>
+            <a:r>
+              <a:rPr lang="en-US" sz="2000" dirty="0" smtClean="0"/>
+              <a:t>Robust: shouldn't fail all the time</a:t>
+            </a:r>
+          </a:p>
+          <a:p>
+            <a:pPr marL="342900" indent="-342900" algn="l">
+              <a:buFont typeface="Arial"/>
+              <a:buChar char="•"/>
+            </a:pPr>
+            <a:r>
+              <a:rPr lang="en-US" sz="2000" dirty="0" smtClean="0"/>
+              <a:t>Meaningful: should </a:t>
+            </a:r>
+            <a:r>
+              <a:rPr lang="en-US" sz="2000" dirty="0" smtClean="0"/>
+              <a:t>fail once in a while</a:t>
+            </a:r>
+          </a:p>
+          <a:p>
+            <a:pPr marL="342900" indent="-342900" algn="l">
+              <a:buFont typeface="Arial"/>
+              <a:buChar char="•"/>
+            </a:pPr>
+            <a:r>
+              <a:rPr lang="en-US" sz="2000" dirty="0" smtClean="0"/>
+              <a:t>Repeatable: same results</a:t>
+            </a:r>
+          </a:p>
+          <a:p>
+            <a:pPr marL="342900" indent="-342900" algn="l">
+              <a:buFont typeface="Arial"/>
+              <a:buChar char="•"/>
+            </a:pPr>
+            <a:r>
+              <a:rPr lang="en-US" sz="2000" dirty="0" smtClean="0"/>
+              <a:t>Independent: only test one thing, order shouldn't matter</a:t>
+            </a:r>
+          </a:p>
+          <a:p>
+            <a:pPr marL="342900" indent="-342900" algn="l">
+              <a:buFont typeface="Arial"/>
+              <a:buChar char="•"/>
+            </a:pPr>
+            <a:r>
+              <a:rPr lang="en-US" sz="2000" dirty="0" smtClean="0"/>
+              <a:t>Clear: it should be obvious what the test does</a:t>
+            </a:r>
+            <a:endParaRPr lang="en-US" sz="2000" dirty="0" smtClean="0"/>
+          </a:p>
+        </p:txBody>
+      </p:sp>
+    </p:spTree>
+    <p:extLst>
+      <p:ext uri="{BB962C8B-B14F-4D97-AF65-F5344CB8AC3E}">
+        <p14:creationId xmlns:p14="http://schemas.microsoft.com/office/powerpoint/2010/main" val="543318279"/>
+      </p:ext>
+    </p:extLst>
+  </p:cSld>
+  <p:clrMapOvr>
+    <a:masterClrMapping/>
+  </p:clrMapOvr>
+  <p:timing>
+    <p:tnLst>
+      <p:par>
+        <p:cTn xmlns:p14="http://schemas.microsoft.com/office/powerpoint/2010/main" id="1" dur="indefinite" restart="never" nodeType="tmRoot"/>
+      </p:par>
+    </p:tnLst>
+  </p:timing>
+</p:sld>
+</file>
+
+<file path=ppt/slides/slide9.xml><?xml version="1.0" encoding="utf-8"?>
+<p:sld xmlns:a="http://schemas.openxmlformats.org/drawingml/2006/main" xmlns:r="http://schemas.openxmlformats.org/officeDocument/2006/relationships" xmlns:p="http://schemas.openxmlformats.org/presentationml/2006/main">
+  <p:cSld>
+    <p:spTree>
+      <p:nvGrpSpPr>
+        <p:cNvPr id="1" name=""/>
+        <p:cNvGrpSpPr/>
+        <p:nvPr/>
+      </p:nvGrpSpPr>
+      <p:grpSpPr>
+        <a:xfrm>
+          <a:off x="0" y="0"/>
+          <a:ext cx="0" cy="0"/>
+          <a:chOff x="0" y="0"/>
+          <a:chExt cx="0" cy="0"/>
+        </a:xfrm>
+      </p:grpSpPr>
+      <p:sp>
+        <p:nvSpPr>
+          <p:cNvPr id="2" name="Title 1"/>
+          <p:cNvSpPr>
+            <a:spLocks noGrp="1"/>
+          </p:cNvSpPr>
+          <p:nvPr>
+            <p:ph type="ctrTitle"/>
+          </p:nvPr>
+        </p:nvSpPr>
+        <p:spPr>
+          <a:xfrm>
+            <a:off x="685800" y="160685"/>
+            <a:ext cx="7772400" cy="1470025"/>
+          </a:xfrm>
+        </p:spPr>
+        <p:txBody>
+          <a:bodyPr/>
+          <a:lstStyle/>
+          <a:p>
+            <a:r>
+              <a:rPr lang="en-US" dirty="0" smtClean="0"/>
+              <a:t>Lab: Explore Jasmine</a:t>
+            </a:r>
+            <a:endParaRPr lang="en-US" dirty="0"/>
+          </a:p>
+        </p:txBody>
+      </p:sp>
+      <p:sp>
+        <p:nvSpPr>
+          <p:cNvPr id="3" name="Subtitle 2"/>
+          <p:cNvSpPr>
+            <a:spLocks noGrp="1"/>
+          </p:cNvSpPr>
+          <p:nvPr>
+            <p:ph type="subTitle" idx="1"/>
+          </p:nvPr>
+        </p:nvSpPr>
+        <p:spPr>
+          <a:xfrm>
+            <a:off x="454651" y="1630710"/>
+            <a:ext cx="8371875" cy="4609893"/>
+          </a:xfrm>
+        </p:spPr>
+        <p:txBody>
+          <a:bodyPr>
+            <a:normAutofit/>
+          </a:bodyPr>
+          <a:lstStyle/>
+          <a:p>
+            <a:pPr marL="342900" indent="-342900" algn="l">
+              <a:buFont typeface="Arial"/>
+              <a:buChar char="•"/>
+            </a:pPr>
+            <a:r>
+              <a:rPr lang="en-US" sz="2000" dirty="0" err="1" smtClean="0"/>
+              <a:t>npm</a:t>
+            </a:r>
+            <a:r>
+              <a:rPr lang="en-US" sz="2000" dirty="0" smtClean="0"/>
+              <a:t> install jasmine</a:t>
+            </a:r>
+          </a:p>
+          <a:p>
+            <a:pPr marL="342900" indent="-342900" algn="l">
+              <a:buFont typeface="Arial"/>
+              <a:buChar char="•"/>
+            </a:pPr>
+            <a:r>
+              <a:rPr lang="en-US" sz="2000" dirty="0" smtClean="0"/>
+              <a:t>Write a test</a:t>
+            </a:r>
+          </a:p>
+          <a:p>
+            <a:pPr marL="342900" indent="-342900" algn="l">
+              <a:buFont typeface="Arial"/>
+              <a:buChar char="•"/>
+            </a:pPr>
+            <a:r>
+              <a:rPr lang="en-US" sz="2000" dirty="0" smtClean="0"/>
+              <a:t>Run from the command line</a:t>
+            </a:r>
+          </a:p>
+          <a:p>
+            <a:pPr marL="342900" indent="-342900" algn="l">
+              <a:buFont typeface="Arial"/>
+              <a:buChar char="•"/>
+            </a:pPr>
+            <a:r>
+              <a:rPr lang="en-US" sz="2000" dirty="0" smtClean="0"/>
+              <a:t>Repeat</a:t>
+            </a:r>
+            <a:endParaRPr lang="en-US" sz="2000" dirty="0" smtClean="0"/>
+          </a:p>
+        </p:txBody>
+      </p:sp>
+    </p:spTree>
+    <p:extLst>
+      <p:ext uri="{BB962C8B-B14F-4D97-AF65-F5344CB8AC3E}">
+        <p14:creationId xmlns:p14="http://schemas.microsoft.com/office/powerpoint/2010/main" val="423115604"/>
       </p:ext>
     </p:extLst>
   </p:cSld>
